--- a/slides/paper_presentation.pptx
+++ b/slides/paper_presentation.pptx
@@ -3219,6 +3219,31 @@
       </p:grpSpPr>
       <p:sp>
         <p:nvSpPr>
+          <p:cNvPr id="2" name="Title 1"/>
+          <p:cNvSpPr>
+            <a:spLocks noGrp="1"/>
+          </p:cNvSpPr>
+          <p:nvPr>
+            <p:ph type="title"/>
+          </p:nvPr>
+        </p:nvSpPr>
+        <p:spPr/>
+        <p:txBody>
+          <a:bodyPr/>
+          <a:lstStyle/>
+          <a:p>
+            <a:pPr lvl="0" indent="0" marL="0">
+              <a:buNone/>
+            </a:pPr>
+            <a:r>
+              <a:rPr/>
+              <a:t>Model: Multinomial Naive Bayes</a:t>
+            </a:r>
+          </a:p>
+        </p:txBody>
+      </p:sp>
+      <p:sp>
+        <p:nvSpPr>
           <p:cNvPr id="3" name="Content Placeholder 2"/>
           <p:cNvSpPr>
             <a:spLocks noGrp="1"/>
@@ -3232,12 +3257,24 @@
           <a:bodyPr/>
           <a:lstStyle/>
           <a:p>
-            <a:pPr lvl="0" indent="0" marL="0">
-              <a:buNone/>
-            </a:pPr>
-            <a:r>
-              <a:rPr/>
-              <a:t> - Ham berisi percakapan sehari-hari, konfirmasi, dan info non-promosi.</a:t>
+            <a:pPr lvl="0"/>
+            <a:r>
+              <a:rPr/>
+              <a:t>Cocok untuk fitur frekuensi non-negatif.</a:t>
+            </a:r>
+          </a:p>
+          <a:p>
+            <a:pPr lvl="0"/>
+            <a:r>
+              <a:rPr/>
+              <a:t>Hiperparameter utama: alpha (smoothing).</a:t>
+            </a:r>
+          </a:p>
+          <a:p>
+            <a:pPr lvl="0"/>
+            <a:r>
+              <a:rPr/>
+              <a:t>Kelebihan: cepat, sederhana, baseline kuat.</a:t>
             </a:r>
           </a:p>
         </p:txBody>
@@ -3284,7 +3321,7 @@
             </a:pPr>
             <a:r>
               <a:rPr/>
-              <a:t>Metodologi &amp; Pipeline</a:t>
+              <a:t>Model: Logistic Regression</a:t>
             </a:r>
           </a:p>
         </p:txBody>
@@ -3307,28 +3344,21 @@
             <a:pPr lvl="0"/>
             <a:r>
               <a:rPr/>
-              <a:t>Praproses: lowercasing, TF–IDF (unigram–bigram), stopwords Inggris.</a:t>
-            </a:r>
-          </a:p>
-          <a:p>
-            <a:pPr lvl="0"/>
-            <a:r>
-              <a:rPr/>
-              <a:t>Model: Multinomial Naive Bayes (MNB) dan Logistic Regression (LR).</a:t>
-            </a:r>
-          </a:p>
-          <a:p>
-            <a:pPr lvl="0"/>
-            <a:r>
-              <a:rPr/>
-              <a:t>Validasi: StratifiedKFold k=5; GridSearchCV.</a:t>
-            </a:r>
-          </a:p>
-          <a:p>
-            <a:pPr lvl="0"/>
-            <a:r>
-              <a:rPr/>
-              <a:t>Metrik: Accuracy, Precision, Recall, F1, ROC–AUC, PR–AUC.</a:t>
+              <a:t>Probabilistik dengan regularisasi L2.</a:t>
+            </a:r>
+          </a:p>
+          <a:p>
+            <a:pPr lvl="0"/>
+            <a:r>
+              <a:rPr/>
+              <a:t>Hiperparameter: C, class_weight (menangani imbalance), max_iter.</a:t>
+            </a:r>
+          </a:p>
+          <a:p>
+            <a:pPr lvl="0"/>
+            <a:r>
+              <a:rPr/>
+              <a:t>Kelebihan: fleksibel, performa kuat, dapat dikalibrasi.</a:t>
             </a:r>
           </a:p>
         </p:txBody>
@@ -3375,7 +3405,7 @@
             </a:pPr>
             <a:r>
               <a:rPr/>
-              <a:t>Model: Multinomial Naive Bayes</a:t>
+              <a:t>Pelatihan &amp; Penalaan</a:t>
             </a:r>
           </a:p>
         </p:txBody>
@@ -3398,21 +3428,35 @@
             <a:pPr lvl="0"/>
             <a:r>
               <a:rPr/>
-              <a:t>Cocok untuk fitur frekuensi non-negatif.</a:t>
-            </a:r>
-          </a:p>
-          <a:p>
-            <a:pPr lvl="0"/>
-            <a:r>
-              <a:rPr/>
-              <a:t>Hiperparameter utama: alpha (smoothing).</a:t>
-            </a:r>
-          </a:p>
-          <a:p>
-            <a:pPr lvl="0"/>
-            <a:r>
-              <a:rPr/>
-              <a:t>Kelebihan: cepat, sederhana, baseline kuat.</a:t>
+              <a:t>Ruang hyperparameter:</a:t>
+            </a:r>
+          </a:p>
+          <a:p>
+            <a:pPr lvl="1"/>
+            <a:r>
+              <a:rPr/>
+              <a:t>TF–IDF: ngram (1,1) vs (1,2), min_df {1,2,5}</a:t>
+            </a:r>
+          </a:p>
+          <a:p>
+            <a:pPr lvl="1"/>
+            <a:r>
+              <a:rPr/>
+              <a:t>MNB: alpha {0.1, 0.5, 1.0}</a:t>
+            </a:r>
+          </a:p>
+          <a:p>
+            <a:pPr lvl="1"/>
+            <a:r>
+              <a:rPr/>
+              <a:t>LR: C {0.5,1,2,4}, L2, class_weight {None, balanced}</a:t>
+            </a:r>
+          </a:p>
+          <a:p>
+            <a:pPr lvl="0"/>
+            <a:r>
+              <a:rPr/>
+              <a:t>Skor optimasi: F1 (kelas spam).</a:t>
             </a:r>
           </a:p>
         </p:txBody>
@@ -3423,188 +3467,6 @@
 </file>
 
 <file path=ppt/slides/slide13.xml><?xml version="1.0" encoding="utf-8"?>
-<p:sld xmlns:a="http://schemas.openxmlformats.org/drawingml/2006/main" xmlns:r="http://schemas.openxmlformats.org/officeDocument/2006/relationships" xmlns:p="http://schemas.openxmlformats.org/presentationml/2006/main">
-  <p:cSld>
-    <p:spTree>
-      <p:nvGrpSpPr>
-        <p:cNvPr id="1" name=""/>
-        <p:cNvGrpSpPr/>
-        <p:nvPr/>
-      </p:nvGrpSpPr>
-      <p:grpSpPr>
-        <a:xfrm>
-          <a:off x="0" y="0"/>
-          <a:ext cx="0" cy="0"/>
-          <a:chOff x="0" y="0"/>
-          <a:chExt cx="0" cy="0"/>
-        </a:xfrm>
-      </p:grpSpPr>
-      <p:sp>
-        <p:nvSpPr>
-          <p:cNvPr id="2" name="Title 1"/>
-          <p:cNvSpPr>
-            <a:spLocks noGrp="1"/>
-          </p:cNvSpPr>
-          <p:nvPr>
-            <p:ph type="title"/>
-          </p:nvPr>
-        </p:nvSpPr>
-        <p:spPr/>
-        <p:txBody>
-          <a:bodyPr/>
-          <a:lstStyle/>
-          <a:p>
-            <a:pPr lvl="0" indent="0" marL="0">
-              <a:buNone/>
-            </a:pPr>
-            <a:r>
-              <a:rPr/>
-              <a:t>Model: Logistic Regression</a:t>
-            </a:r>
-          </a:p>
-        </p:txBody>
-      </p:sp>
-      <p:sp>
-        <p:nvSpPr>
-          <p:cNvPr id="3" name="Content Placeholder 2"/>
-          <p:cNvSpPr>
-            <a:spLocks noGrp="1"/>
-          </p:cNvSpPr>
-          <p:nvPr>
-            <p:ph idx="1"/>
-          </p:nvPr>
-        </p:nvSpPr>
-        <p:spPr/>
-        <p:txBody>
-          <a:bodyPr/>
-          <a:lstStyle/>
-          <a:p>
-            <a:pPr lvl="0"/>
-            <a:r>
-              <a:rPr/>
-              <a:t>Probabilistik dengan regularisasi L2.</a:t>
-            </a:r>
-          </a:p>
-          <a:p>
-            <a:pPr lvl="0"/>
-            <a:r>
-              <a:rPr/>
-              <a:t>Hiperparameter: C, class_weight (menangani imbalance), max_iter.</a:t>
-            </a:r>
-          </a:p>
-          <a:p>
-            <a:pPr lvl="0"/>
-            <a:r>
-              <a:rPr/>
-              <a:t>Kelebihan: fleksibel, performa kuat, dapat dikalibrasi.</a:t>
-            </a:r>
-          </a:p>
-        </p:txBody>
-      </p:sp>
-    </p:spTree>
-  </p:cSld>
-</p:sld>
-</file>
-
-<file path=ppt/slides/slide14.xml><?xml version="1.0" encoding="utf-8"?>
-<p:sld xmlns:a="http://schemas.openxmlformats.org/drawingml/2006/main" xmlns:r="http://schemas.openxmlformats.org/officeDocument/2006/relationships" xmlns:p="http://schemas.openxmlformats.org/presentationml/2006/main">
-  <p:cSld>
-    <p:spTree>
-      <p:nvGrpSpPr>
-        <p:cNvPr id="1" name=""/>
-        <p:cNvGrpSpPr/>
-        <p:nvPr/>
-      </p:nvGrpSpPr>
-      <p:grpSpPr>
-        <a:xfrm>
-          <a:off x="0" y="0"/>
-          <a:ext cx="0" cy="0"/>
-          <a:chOff x="0" y="0"/>
-          <a:chExt cx="0" cy="0"/>
-        </a:xfrm>
-      </p:grpSpPr>
-      <p:sp>
-        <p:nvSpPr>
-          <p:cNvPr id="2" name="Title 1"/>
-          <p:cNvSpPr>
-            <a:spLocks noGrp="1"/>
-          </p:cNvSpPr>
-          <p:nvPr>
-            <p:ph type="title"/>
-          </p:nvPr>
-        </p:nvSpPr>
-        <p:spPr/>
-        <p:txBody>
-          <a:bodyPr/>
-          <a:lstStyle/>
-          <a:p>
-            <a:pPr lvl="0" indent="0" marL="0">
-              <a:buNone/>
-            </a:pPr>
-            <a:r>
-              <a:rPr/>
-              <a:t>Pelatihan &amp; Penalaan</a:t>
-            </a:r>
-          </a:p>
-        </p:txBody>
-      </p:sp>
-      <p:sp>
-        <p:nvSpPr>
-          <p:cNvPr id="3" name="Content Placeholder 2"/>
-          <p:cNvSpPr>
-            <a:spLocks noGrp="1"/>
-          </p:cNvSpPr>
-          <p:nvPr>
-            <p:ph idx="1"/>
-          </p:nvPr>
-        </p:nvSpPr>
-        <p:spPr/>
-        <p:txBody>
-          <a:bodyPr/>
-          <a:lstStyle/>
-          <a:p>
-            <a:pPr lvl="0"/>
-            <a:r>
-              <a:rPr/>
-              <a:t>Ruang hyperparameter:</a:t>
-            </a:r>
-          </a:p>
-          <a:p>
-            <a:pPr lvl="1"/>
-            <a:r>
-              <a:rPr/>
-              <a:t>TF–IDF: ngram (1,1) vs (1,2), min_df {1,2,5}</a:t>
-            </a:r>
-          </a:p>
-          <a:p>
-            <a:pPr lvl="1"/>
-            <a:r>
-              <a:rPr/>
-              <a:t>MNB: alpha {0.1, 0.5, 1.0}</a:t>
-            </a:r>
-          </a:p>
-          <a:p>
-            <a:pPr lvl="1"/>
-            <a:r>
-              <a:rPr/>
-              <a:t>LR: C {0.5,1,2,4}, L2, class_weight {None, balanced}</a:t>
-            </a:r>
-          </a:p>
-          <a:p>
-            <a:pPr lvl="0"/>
-            <a:r>
-              <a:rPr/>
-              <a:t>Skor optimasi: F1 (kelas spam).</a:t>
-            </a:r>
-          </a:p>
-        </p:txBody>
-      </p:sp>
-    </p:spTree>
-  </p:cSld>
-</p:sld>
-</file>
-
-<file path=ppt/slides/slide15.xml><?xml version="1.0" encoding="utf-8"?>
 <p:sld xmlns:a="http://schemas.openxmlformats.org/drawingml/2006/main" xmlns:r="http://schemas.openxmlformats.org/officeDocument/2006/relationships" xmlns:p="http://schemas.openxmlformats.org/presentationml/2006/main">
   <p:cSld>
     <p:spTree>
@@ -4012,7 +3874,7 @@
 </p:sld>
 </file>
 
-<file path=ppt/slides/slide16.xml><?xml version="1.0" encoding="utf-8"?>
+<file path=ppt/slides/slide14.xml><?xml version="1.0" encoding="utf-8"?>
 <p:sld xmlns:a="http://schemas.openxmlformats.org/drawingml/2006/main" xmlns:r="http://schemas.openxmlformats.org/officeDocument/2006/relationships" xmlns:p="http://schemas.openxmlformats.org/presentationml/2006/main">
   <p:cSld>
     <p:spTree>
@@ -4057,7 +3919,7 @@
 </p:sld>
 </file>
 
-<file path=ppt/slides/slide17.xml><?xml version="1.0" encoding="utf-8"?>
+<file path=ppt/slides/slide15.xml><?xml version="1.0" encoding="utf-8"?>
 <p:sld xmlns:a="http://schemas.openxmlformats.org/drawingml/2006/main" xmlns:r="http://schemas.openxmlformats.org/officeDocument/2006/relationships" xmlns:p="http://schemas.openxmlformats.org/presentationml/2006/main">
   <p:cSld>
     <p:spTree>
@@ -4161,6 +4023,28 @@
           </a:p>
         </p:txBody>
       </p:sp>
+    </p:spTree>
+  </p:cSld>
+</p:sld>
+</file>
+
+<file path=ppt/slides/slide16.xml><?xml version="1.0" encoding="utf-8"?>
+<p:sld xmlns:a="http://schemas.openxmlformats.org/drawingml/2006/main" xmlns:r="http://schemas.openxmlformats.org/officeDocument/2006/relationships" xmlns:p="http://schemas.openxmlformats.org/presentationml/2006/main">
+  <p:cSld>
+    <p:spTree>
+      <p:nvGrpSpPr>
+        <p:cNvPr id="1" name=""/>
+        <p:cNvGrpSpPr/>
+        <p:nvPr/>
+      </p:nvGrpSpPr>
+      <p:grpSpPr>
+        <a:xfrm>
+          <a:off x="0" y="0"/>
+          <a:ext cx="0" cy="0"/>
+          <a:chOff x="0" y="0"/>
+          <a:chExt cx="0" cy="0"/>
+        </a:xfrm>
+      </p:grpSpPr>
       <p:pic>
         <p:nvPicPr>
           <p:cNvPr descr="../artifacts/pr_lr_test.png" id="0" name="Picture 1"/>
@@ -4170,7 +4054,7 @@
           <p:nvPr/>
         </p:nvPicPr>
         <p:blipFill>
-          <a:blip r:embed="rId3"/>
+          <a:blip r:embed="rId2"/>
           <a:stretch>
             <a:fillRect/>
           </a:stretch>
@@ -4219,6 +4103,53 @@
             <a:r>
               <a:rPr/>
               <a:t>PR LR Test</a:t>
+            </a:r>
+          </a:p>
+        </p:txBody>
+      </p:sp>
+    </p:spTree>
+  </p:cSld>
+</p:sld>
+</file>
+
+<file path=ppt/slides/slide17.xml><?xml version="1.0" encoding="utf-8"?>
+<p:sld xmlns:a="http://schemas.openxmlformats.org/drawingml/2006/main" xmlns:r="http://schemas.openxmlformats.org/officeDocument/2006/relationships" xmlns:p="http://schemas.openxmlformats.org/presentationml/2006/main">
+  <p:cSld>
+    <p:spTree>
+      <p:nvGrpSpPr>
+        <p:cNvPr id="1" name=""/>
+        <p:cNvGrpSpPr/>
+        <p:nvPr/>
+      </p:nvGrpSpPr>
+      <p:grpSpPr>
+        <a:xfrm>
+          <a:off x="0" y="0"/>
+          <a:ext cx="0" cy="0"/>
+          <a:chOff x="0" y="0"/>
+          <a:chExt cx="0" cy="0"/>
+        </a:xfrm>
+      </p:grpSpPr>
+      <p:sp>
+        <p:nvSpPr>
+          <p:cNvPr id="3" name="Content Placeholder 2"/>
+          <p:cNvSpPr>
+            <a:spLocks noGrp="1"/>
+          </p:cNvSpPr>
+          <p:nvPr>
+            <p:ph idx="1"/>
+          </p:nvPr>
+        </p:nvSpPr>
+        <p:spPr/>
+        <p:txBody>
+          <a:bodyPr/>
+          <a:lstStyle/>
+          <a:p>
+            <a:pPr lvl="0" indent="0" marL="0">
+              <a:buNone/>
+            </a:pPr>
+            <a:r>
+              <a:rPr/>
+              <a:t> - ROC: sumbu X = False Positive Rate, Y = True Positive Rate. Semakin dekat ke pojok kiri-atas semakin baik; luas area (AUC) mendekati 1 = performa sangat baik. - PR: sumbu X = Recall, Y = Precision. Lebih informatif saat kelas spam lebih sedikit; kurva tinggi dan ke kanan menandakan precision dan recall sama-sama bagus. - Memindahkan threshold akan menggeser posisi pada kurva — bisa dipilih sesuai prioritas (minim FP vs minim FN).</a:t>
             </a:r>
           </a:p>
         </p:txBody>
@@ -4298,6 +4229,27 @@
               <a:t>False negative: obfuscation (“GR4T1S”), URL pendek, bahasa campuran. CM Test</a:t>
             </a:r>
           </a:p>
+          <a:p>
+            <a:pPr lvl="0"/>
+            <a:r>
+              <a:rPr/>
+              <a:t>Confusion matrix: baris = label sebenarnya, kolom = prediksi model.</a:t>
+            </a:r>
+          </a:p>
+          <a:p>
+            <a:pPr lvl="0"/>
+            <a:r>
+              <a:rPr/>
+              <a:t>Nilai diagonal (kiri-atas &amp; kanan-bawah) adalah prediksi benar — makin besar makin baik.</a:t>
+            </a:r>
+          </a:p>
+          <a:p>
+            <a:pPr lvl="0"/>
+            <a:r>
+              <a:rPr/>
+              <a:t>Sel kanan-atas = ham→spam (FP), sel kiri-bawah = spam→ham (FN). Tuning threshold/fitur dapat mengurangi keduanya.</a:t>
+            </a:r>
+          </a:p>
         </p:txBody>
       </p:sp>
     </p:spTree>
@@ -4342,7 +4294,7 @@
             </a:pPr>
             <a:r>
               <a:rPr/>
-              <a:t>Prototipe &amp; Integrasi</a:t>
+              <a:t>Prototipe, Integrasi, &amp; MLOps/Keamanan</a:t>
             </a:r>
           </a:p>
         </p:txBody>
@@ -4379,7 +4331,14 @@
             <a:pPr lvl="0"/>
             <a:r>
               <a:rPr/>
-              <a:t>Inferensi cepat, footprint kecil — cocok untuk edge.</a:t>
+              <a:t>Monitoring: skor, drift, keluhan pengguna; kalibrasi &amp; thresholding berbasis biaya.</a:t>
+            </a:r>
+          </a:p>
+          <a:p>
+            <a:pPr lvl="0"/>
+            <a:r>
+              <a:rPr/>
+              <a:t>Privasi: minimisasi data, enkripsi, retensi terbatas. Inferensi cepat, footprint kecil (edge-friendly).</a:t>
             </a:r>
           </a:p>
         </p:txBody>
@@ -4538,7 +4497,7 @@
             </a:pPr>
             <a:r>
               <a:rPr/>
-              <a:t>MLOps &amp; Keamanan</a:t>
+              <a:t>Manfaat &amp; Penerapan Sehari-hari</a:t>
             </a:r>
           </a:p>
         </p:txBody>
@@ -4561,21 +4520,49 @@
             <a:pPr lvl="0"/>
             <a:r>
               <a:rPr/>
-              <a:t>Monitoring: skor, drift, keluhan pengguna.</a:t>
-            </a:r>
-          </a:p>
-          <a:p>
-            <a:pPr lvl="0"/>
-            <a:r>
-              <a:rPr/>
-              <a:t>Kalibrasi &amp; thresholding berbasis biaya.</a:t>
-            </a:r>
-          </a:p>
-          <a:p>
-            <a:pPr lvl="0"/>
-            <a:r>
-              <a:rPr/>
-              <a:t>Privasi: minimisasi data, enkripsi, retensi terbatas.</a:t>
+              <a:t>Operator seluler: memfilter SMS spam/phishing sebelum mencapai pelanggan; menurunkan komplain dan beban CS.</a:t>
+            </a:r>
+          </a:p>
+          <a:p>
+            <a:pPr lvl="0"/>
+            <a:r>
+              <a:rPr/>
+              <a:t>Perbankan/fintech: proteksi phishing pada notifikasi/OTP; pengurangan fraud dan kerugian finansial.</a:t>
+            </a:r>
+          </a:p>
+          <a:p>
+            <a:pPr lvl="0"/>
+            <a:r>
+              <a:rPr/>
+              <a:t>E-commerce/logistik: penyaringan blast promo &amp; notifikasi agar relevan, menghindari false spam pada pesan sah.</a:t>
+            </a:r>
+          </a:p>
+          <a:p>
+            <a:pPr lvl="0"/>
+            <a:r>
+              <a:rPr/>
+              <a:t>Pemerintah/layanan publik: memastikan SMS informasi darurat/layanan tidak ditandai spam.</a:t>
+            </a:r>
+          </a:p>
+          <a:p>
+            <a:pPr lvl="0"/>
+            <a:r>
+              <a:rPr/>
+              <a:t>Perusahaan: triase inbound SMS (dukungan pelanggan), eskalasi otomatis untuk pesan berisiko.</a:t>
+            </a:r>
+          </a:p>
+          <a:p>
+            <a:pPr lvl="0"/>
+            <a:r>
+              <a:rPr/>
+              <a:t>Individu/app pribadi: perlindungan spam on-device; model ringan cocok untuk perangkat lama.</a:t>
+            </a:r>
+          </a:p>
+          <a:p>
+            <a:pPr lvl="0"/>
+            <a:r>
+              <a:rPr/>
+              <a:t>Keamanan &amp; kepatuhan: membantu pemenuhan kebijakan anti-spam dan perlindungan data.</a:t>
             </a:r>
           </a:p>
         </p:txBody>
@@ -4990,7 +4977,7 @@
             </a:pPr>
             <a:r>
               <a:rPr/>
-              <a:t> - Rata-rata token: semua ≈ 15,60; ham ≈ 14,31; spam ≈ 23,91. - Spam cenderung lebih panjang dari ham.</a:t>
+              <a:t> - Histogram menunjukkan jumlah token per pesan untuk ham vs spam. - Rata-rata token: semua ≈ 15,60; ham ≈ 14,31; spam ≈ 23,91. - Warna membedakan kelas; kurva lebih ke kanan = pesan lebih panjang. Spam cenderung lebih panjang dari ham.</a:t>
             </a:r>
           </a:p>
         </p:txBody>
@@ -5037,7 +5024,7 @@
             </a:pPr>
             <a:r>
               <a:rPr/>
-              <a:t>EDA: Top Token Spam</a:t>
+              <a:t>EDA: Top Token Spam vs Ham</a:t>
             </a:r>
           </a:p>
         </p:txBody>
@@ -5146,7 +5133,7 @@
             </a:pPr>
             <a:r>
               <a:rPr/>
-              <a:t> - Kata pemicu: “free”, “win”, “urgent”, “claim”, “call”, “prize”.</a:t>
+              <a:t> Top Token Ham - Spam: kata pemicu umum seperti “free”, “win”, “urgent”, “claim”, “call”, “prize”. - Ham: percakapan sehari-hari, konfirmasi, informasi non-promosi. - Setiap bar mewakili seberapa sering kata muncul di kelas terkait (lebih panjang = lebih sering). - Insight: banyak spam memuat kata promosi/ajakan tindakan; ham didominasi kata percakapan biasa.</a:t>
             </a:r>
           </a:p>
         </p:txBody>
@@ -5193,69 +5180,51 @@
             </a:pPr>
             <a:r>
               <a:rPr/>
-              <a:t>EDA: Top Token Ham</a:t>
-            </a:r>
-          </a:p>
-        </p:txBody>
-      </p:sp>
-      <p:pic>
-        <p:nvPicPr>
-          <p:cNvPr descr="../artifacts/top_tokens_ham.png" id="0" name="Picture 1"/>
-          <p:cNvPicPr>
-            <a:picLocks noGrp="1" noChangeAspect="1"/>
-          </p:cNvPicPr>
-          <p:nvPr/>
-        </p:nvPicPr>
-        <p:blipFill>
-          <a:blip r:embed="rId2"/>
-          <a:stretch>
-            <a:fillRect/>
-          </a:stretch>
-        </p:blipFill>
-        <p:spPr bwMode="auto">
-          <a:xfrm>
-            <a:off x="2413000" y="1193800"/>
-            <a:ext cx="4318000" cy="2882900"/>
-          </a:xfrm>
-          <a:prstGeom prst="rect">
-            <a:avLst/>
-          </a:prstGeom>
-          <a:noFill/>
-          <a:ln w="9525">
-            <a:noFill/>
-            <a:headEnd/>
-            <a:tailEnd/>
-          </a:ln>
-        </p:spPr>
-      </p:pic>
-      <p:sp>
-        <p:nvSpPr>
-          <p:cNvPr id="1" name="TextBox 3"/>
-          <p:cNvSpPr txBox="1"/>
+              <a:t>Metodologi &amp; Pipeline</a:t>
+            </a:r>
+          </a:p>
+        </p:txBody>
+      </p:sp>
+      <p:sp>
+        <p:nvSpPr>
+          <p:cNvPr id="3" name="Content Placeholder 2"/>
+          <p:cNvSpPr>
+            <a:spLocks noGrp="1"/>
+          </p:cNvSpPr>
           <p:nvPr>
             <p:ph idx="1"/>
           </p:nvPr>
         </p:nvSpPr>
-        <p:spPr>
-          <a:xfrm>
-            <a:off x="457200" y="4076700"/>
-            <a:ext cx="8229600" cy="508000"/>
-          </a:xfrm>
-          <a:prstGeom prst="rect">
-            <a:avLst/>
-          </a:prstGeom>
-          <a:noFill/>
-        </p:spPr>
-        <p:txBody>
-          <a:bodyPr/>
-          <a:lstStyle/>
-          <a:p>
-            <a:pPr lvl="0" indent="0" marL="0" algn="ctr">
-              <a:buNone/>
-            </a:pPr>
-            <a:r>
-              <a:rPr/>
-              <a:t>Top Token Ham</a:t>
+        <p:spPr/>
+        <p:txBody>
+          <a:bodyPr/>
+          <a:lstStyle/>
+          <a:p>
+            <a:pPr lvl="0"/>
+            <a:r>
+              <a:rPr/>
+              <a:t>Praproses: lowercasing, TF–IDF (unigram–bigram), stopwords Inggris.</a:t>
+            </a:r>
+          </a:p>
+          <a:p>
+            <a:pPr lvl="0"/>
+            <a:r>
+              <a:rPr/>
+              <a:t>Model: Multinomial Naive Bayes (MNB) dan Logistic Regression (LR).</a:t>
+            </a:r>
+          </a:p>
+          <a:p>
+            <a:pPr lvl="0"/>
+            <a:r>
+              <a:rPr/>
+              <a:t>Validasi: StratifiedKFold k=5; GridSearchCV.</a:t>
+            </a:r>
+          </a:p>
+          <a:p>
+            <a:pPr lvl="0"/>
+            <a:r>
+              <a:rPr/>
+              <a:t>Metrik: Accuracy, Precision, Recall, F1, ROC–AUC, PR–AUC.</a:t>
             </a:r>
           </a:p>
         </p:txBody>
